--- a/ppt 16-9/0740.主给我的太多.pptx
+++ b/ppt 16-9/0740.主给我的太多.pptx
@@ -5,7 +5,7 @@
     <p:sldMasterId id="2147483648" r:id="rId1"/>
   </p:sldMasterIdLst>
   <p:sldIdLst>
-    <p:sldId id="1983" r:id="rId2"/>
+    <p:sldId id="1984" r:id="rId2"/>
   </p:sldIdLst>
   <p:sldSz cx="12192000" cy="6858000"/>
   <p:notesSz cx="6858000" cy="9144000"/>
@@ -129,7 +129,7 @@
           <p:cNvPr id="2" name="标题 1">
             <a:extLst>
               <a:ext uri="{FF2B5EF4-FFF2-40B4-BE49-F238E27FC236}">
-                <a16:creationId xmlns:a16="http://schemas.microsoft.com/office/drawing/2014/main" id="{39CD9B19-3438-A02A-E3AF-8D74D822A3B7}"/>
+                <a16:creationId xmlns:a16="http://schemas.microsoft.com/office/drawing/2014/main" id="{1D05DC35-8F56-2940-51BE-9FC9A5E89978}"/>
               </a:ext>
             </a:extLst>
           </p:cNvPr>
@@ -166,7 +166,7 @@
           <p:cNvPr id="3" name="副标题 2">
             <a:extLst>
               <a:ext uri="{FF2B5EF4-FFF2-40B4-BE49-F238E27FC236}">
-                <a16:creationId xmlns:a16="http://schemas.microsoft.com/office/drawing/2014/main" id="{EF64673D-1084-45D7-C677-D8C48117165E}"/>
+                <a16:creationId xmlns:a16="http://schemas.microsoft.com/office/drawing/2014/main" id="{E12B2407-6A6F-D6AB-60EE-4D601395E9F1}"/>
               </a:ext>
             </a:extLst>
           </p:cNvPr>
@@ -236,7 +236,7 @@
           <p:cNvPr id="4" name="日期占位符 3">
             <a:extLst>
               <a:ext uri="{FF2B5EF4-FFF2-40B4-BE49-F238E27FC236}">
-                <a16:creationId xmlns:a16="http://schemas.microsoft.com/office/drawing/2014/main" id="{3F995C93-A12E-95F7-191B-DC67CF9F533C}"/>
+                <a16:creationId xmlns:a16="http://schemas.microsoft.com/office/drawing/2014/main" id="{9C498060-DC7C-2665-9CEF-4BBCA6E5056B}"/>
               </a:ext>
             </a:extLst>
           </p:cNvPr>
@@ -252,7 +252,7 @@
           <a:bodyPr/>
           <a:lstStyle/>
           <a:p>
-            <a:fld id="{19870797-6BC2-4B09-8E63-7E6B095B7586}" type="datetimeFigureOut">
+            <a:fld id="{4454D9A7-2F8F-4DE4-9C3C-F43D43E0F359}" type="datetimeFigureOut">
               <a:rPr lang="zh-CN" altLang="en-US" smtClean="0"/>
               <a:t>2024/3/10</a:t>
             </a:fld>
@@ -265,7 +265,7 @@
           <p:cNvPr id="5" name="页脚占位符 4">
             <a:extLst>
               <a:ext uri="{FF2B5EF4-FFF2-40B4-BE49-F238E27FC236}">
-                <a16:creationId xmlns:a16="http://schemas.microsoft.com/office/drawing/2014/main" id="{B1B99A95-088E-6C4D-507D-68C439A89BE4}"/>
+                <a16:creationId xmlns:a16="http://schemas.microsoft.com/office/drawing/2014/main" id="{8A43D513-4926-B84B-09DD-C5A3A27C4261}"/>
               </a:ext>
             </a:extLst>
           </p:cNvPr>
@@ -290,7 +290,7 @@
           <p:cNvPr id="6" name="灯片编号占位符 5">
             <a:extLst>
               <a:ext uri="{FF2B5EF4-FFF2-40B4-BE49-F238E27FC236}">
-                <a16:creationId xmlns:a16="http://schemas.microsoft.com/office/drawing/2014/main" id="{7A90399F-91C2-FD1E-16CF-942F5AD5EF17}"/>
+                <a16:creationId xmlns:a16="http://schemas.microsoft.com/office/drawing/2014/main" id="{21C98FC9-9091-1329-0BAF-0D2892CAF02E}"/>
               </a:ext>
             </a:extLst>
           </p:cNvPr>
@@ -306,7 +306,7 @@
           <a:bodyPr/>
           <a:lstStyle/>
           <a:p>
-            <a:fld id="{C547C713-03D5-4B4A-BBAE-8F772FBCDC33}" type="slidenum">
+            <a:fld id="{59697063-A0E5-4C6F-BF60-95274ECDC1CF}" type="slidenum">
               <a:rPr lang="zh-CN" altLang="en-US" smtClean="0"/>
               <a:t>‹#›</a:t>
             </a:fld>
@@ -317,7 +317,7 @@
     </p:spTree>
     <p:extLst>
       <p:ext uri="{BB962C8B-B14F-4D97-AF65-F5344CB8AC3E}">
-        <p14:creationId xmlns:p14="http://schemas.microsoft.com/office/powerpoint/2010/main" val="3720348726"/>
+        <p14:creationId xmlns:p14="http://schemas.microsoft.com/office/powerpoint/2010/main" val="2196762797"/>
       </p:ext>
     </p:extLst>
   </p:cSld>
@@ -349,7 +349,7 @@
           <p:cNvPr id="2" name="标题 1">
             <a:extLst>
               <a:ext uri="{FF2B5EF4-FFF2-40B4-BE49-F238E27FC236}">
-                <a16:creationId xmlns:a16="http://schemas.microsoft.com/office/drawing/2014/main" id="{BDC9EDC6-EF06-A277-ADAA-20B2F65EF19C}"/>
+                <a16:creationId xmlns:a16="http://schemas.microsoft.com/office/drawing/2014/main" id="{9F1EE599-A0CB-4465-B35E-38344AED6453}"/>
               </a:ext>
             </a:extLst>
           </p:cNvPr>
@@ -377,7 +377,7 @@
           <p:cNvPr id="3" name="竖排文字占位符 2">
             <a:extLst>
               <a:ext uri="{FF2B5EF4-FFF2-40B4-BE49-F238E27FC236}">
-                <a16:creationId xmlns:a16="http://schemas.microsoft.com/office/drawing/2014/main" id="{5AC4B996-592A-1CB9-2E7A-A918A7A8EE3A}"/>
+                <a16:creationId xmlns:a16="http://schemas.microsoft.com/office/drawing/2014/main" id="{0C861D69-E76B-B805-A5D1-0FE1EF686BF0}"/>
               </a:ext>
             </a:extLst>
           </p:cNvPr>
@@ -434,7 +434,7 @@
           <p:cNvPr id="4" name="日期占位符 3">
             <a:extLst>
               <a:ext uri="{FF2B5EF4-FFF2-40B4-BE49-F238E27FC236}">
-                <a16:creationId xmlns:a16="http://schemas.microsoft.com/office/drawing/2014/main" id="{B5F1626F-5CF3-6302-9BDC-0E949B847C6D}"/>
+                <a16:creationId xmlns:a16="http://schemas.microsoft.com/office/drawing/2014/main" id="{929B17AF-23E1-83B0-B543-9845576B5D99}"/>
               </a:ext>
             </a:extLst>
           </p:cNvPr>
@@ -450,7 +450,7 @@
           <a:bodyPr/>
           <a:lstStyle/>
           <a:p>
-            <a:fld id="{19870797-6BC2-4B09-8E63-7E6B095B7586}" type="datetimeFigureOut">
+            <a:fld id="{4454D9A7-2F8F-4DE4-9C3C-F43D43E0F359}" type="datetimeFigureOut">
               <a:rPr lang="zh-CN" altLang="en-US" smtClean="0"/>
               <a:t>2024/3/10</a:t>
             </a:fld>
@@ -463,7 +463,7 @@
           <p:cNvPr id="5" name="页脚占位符 4">
             <a:extLst>
               <a:ext uri="{FF2B5EF4-FFF2-40B4-BE49-F238E27FC236}">
-                <a16:creationId xmlns:a16="http://schemas.microsoft.com/office/drawing/2014/main" id="{90D606AA-50C3-A058-D978-65E169DBDC53}"/>
+                <a16:creationId xmlns:a16="http://schemas.microsoft.com/office/drawing/2014/main" id="{DFDED7EA-C4B6-2D28-591D-E49C6E92D687}"/>
               </a:ext>
             </a:extLst>
           </p:cNvPr>
@@ -488,7 +488,7 @@
           <p:cNvPr id="6" name="灯片编号占位符 5">
             <a:extLst>
               <a:ext uri="{FF2B5EF4-FFF2-40B4-BE49-F238E27FC236}">
-                <a16:creationId xmlns:a16="http://schemas.microsoft.com/office/drawing/2014/main" id="{A5D0C3EF-EEAE-6592-518B-C3E2C4E70C06}"/>
+                <a16:creationId xmlns:a16="http://schemas.microsoft.com/office/drawing/2014/main" id="{0662C039-3DEA-4F38-1E64-B84D249063C7}"/>
               </a:ext>
             </a:extLst>
           </p:cNvPr>
@@ -504,7 +504,7 @@
           <a:bodyPr/>
           <a:lstStyle/>
           <a:p>
-            <a:fld id="{C547C713-03D5-4B4A-BBAE-8F772FBCDC33}" type="slidenum">
+            <a:fld id="{59697063-A0E5-4C6F-BF60-95274ECDC1CF}" type="slidenum">
               <a:rPr lang="zh-CN" altLang="en-US" smtClean="0"/>
               <a:t>‹#›</a:t>
             </a:fld>
@@ -515,7 +515,7 @@
     </p:spTree>
     <p:extLst>
       <p:ext uri="{BB962C8B-B14F-4D97-AF65-F5344CB8AC3E}">
-        <p14:creationId xmlns:p14="http://schemas.microsoft.com/office/powerpoint/2010/main" val="1714311149"/>
+        <p14:creationId xmlns:p14="http://schemas.microsoft.com/office/powerpoint/2010/main" val="3590821537"/>
       </p:ext>
     </p:extLst>
   </p:cSld>
@@ -547,7 +547,7 @@
           <p:cNvPr id="2" name="竖排标题 1">
             <a:extLst>
               <a:ext uri="{FF2B5EF4-FFF2-40B4-BE49-F238E27FC236}">
-                <a16:creationId xmlns:a16="http://schemas.microsoft.com/office/drawing/2014/main" id="{89F649B2-07AE-60D8-A8D6-336CE4F124AA}"/>
+                <a16:creationId xmlns:a16="http://schemas.microsoft.com/office/drawing/2014/main" id="{258165A8-57ED-2C46-0CD3-58209674A43D}"/>
               </a:ext>
             </a:extLst>
           </p:cNvPr>
@@ -580,7 +580,7 @@
           <p:cNvPr id="3" name="竖排文字占位符 2">
             <a:extLst>
               <a:ext uri="{FF2B5EF4-FFF2-40B4-BE49-F238E27FC236}">
-                <a16:creationId xmlns:a16="http://schemas.microsoft.com/office/drawing/2014/main" id="{D9096ABC-D8D8-CFE3-59F2-5850C197F144}"/>
+                <a16:creationId xmlns:a16="http://schemas.microsoft.com/office/drawing/2014/main" id="{7693B67C-609A-57F2-D0AF-E36987DCC6EC}"/>
               </a:ext>
             </a:extLst>
           </p:cNvPr>
@@ -642,7 +642,7 @@
           <p:cNvPr id="4" name="日期占位符 3">
             <a:extLst>
               <a:ext uri="{FF2B5EF4-FFF2-40B4-BE49-F238E27FC236}">
-                <a16:creationId xmlns:a16="http://schemas.microsoft.com/office/drawing/2014/main" id="{4B85FA19-4D7B-FAB7-9000-A31AA7726494}"/>
+                <a16:creationId xmlns:a16="http://schemas.microsoft.com/office/drawing/2014/main" id="{5422E60C-85B6-0B0A-BB53-9B345C577775}"/>
               </a:ext>
             </a:extLst>
           </p:cNvPr>
@@ -658,7 +658,7 @@
           <a:bodyPr/>
           <a:lstStyle/>
           <a:p>
-            <a:fld id="{19870797-6BC2-4B09-8E63-7E6B095B7586}" type="datetimeFigureOut">
+            <a:fld id="{4454D9A7-2F8F-4DE4-9C3C-F43D43E0F359}" type="datetimeFigureOut">
               <a:rPr lang="zh-CN" altLang="en-US" smtClean="0"/>
               <a:t>2024/3/10</a:t>
             </a:fld>
@@ -671,7 +671,7 @@
           <p:cNvPr id="5" name="页脚占位符 4">
             <a:extLst>
               <a:ext uri="{FF2B5EF4-FFF2-40B4-BE49-F238E27FC236}">
-                <a16:creationId xmlns:a16="http://schemas.microsoft.com/office/drawing/2014/main" id="{A72999DD-BFE1-C541-0657-832021805796}"/>
+                <a16:creationId xmlns:a16="http://schemas.microsoft.com/office/drawing/2014/main" id="{35F654DA-7869-91F1-BAD9-9C69B58C22A3}"/>
               </a:ext>
             </a:extLst>
           </p:cNvPr>
@@ -696,7 +696,7 @@
           <p:cNvPr id="6" name="灯片编号占位符 5">
             <a:extLst>
               <a:ext uri="{FF2B5EF4-FFF2-40B4-BE49-F238E27FC236}">
-                <a16:creationId xmlns:a16="http://schemas.microsoft.com/office/drawing/2014/main" id="{EB4E680A-4BCD-5764-EBD1-11454369D51A}"/>
+                <a16:creationId xmlns:a16="http://schemas.microsoft.com/office/drawing/2014/main" id="{85DE1DC4-C806-5093-6B15-41747B9203AA}"/>
               </a:ext>
             </a:extLst>
           </p:cNvPr>
@@ -712,7 +712,7 @@
           <a:bodyPr/>
           <a:lstStyle/>
           <a:p>
-            <a:fld id="{C547C713-03D5-4B4A-BBAE-8F772FBCDC33}" type="slidenum">
+            <a:fld id="{59697063-A0E5-4C6F-BF60-95274ECDC1CF}" type="slidenum">
               <a:rPr lang="zh-CN" altLang="en-US" smtClean="0"/>
               <a:t>‹#›</a:t>
             </a:fld>
@@ -723,7 +723,7 @@
     </p:spTree>
     <p:extLst>
       <p:ext uri="{BB962C8B-B14F-4D97-AF65-F5344CB8AC3E}">
-        <p14:creationId xmlns:p14="http://schemas.microsoft.com/office/powerpoint/2010/main" val="3180547663"/>
+        <p14:creationId xmlns:p14="http://schemas.microsoft.com/office/powerpoint/2010/main" val="3019862079"/>
       </p:ext>
     </p:extLst>
   </p:cSld>
@@ -755,7 +755,7 @@
           <p:cNvPr id="2" name="标题 1">
             <a:extLst>
               <a:ext uri="{FF2B5EF4-FFF2-40B4-BE49-F238E27FC236}">
-                <a16:creationId xmlns:a16="http://schemas.microsoft.com/office/drawing/2014/main" id="{CAD6D0CE-0F4D-9340-5789-DA408B019651}"/>
+                <a16:creationId xmlns:a16="http://schemas.microsoft.com/office/drawing/2014/main" id="{6824B166-9B85-514F-4DE3-6FABE56EC889}"/>
               </a:ext>
             </a:extLst>
           </p:cNvPr>
@@ -783,7 +783,7 @@
           <p:cNvPr id="3" name="内容占位符 2">
             <a:extLst>
               <a:ext uri="{FF2B5EF4-FFF2-40B4-BE49-F238E27FC236}">
-                <a16:creationId xmlns:a16="http://schemas.microsoft.com/office/drawing/2014/main" id="{FD858B7C-DFB4-6E63-283E-FFC20EB3CF26}"/>
+                <a16:creationId xmlns:a16="http://schemas.microsoft.com/office/drawing/2014/main" id="{F8AF7F55-8CF3-1AD0-8FAE-E48313E3923D}"/>
               </a:ext>
             </a:extLst>
           </p:cNvPr>
@@ -840,7 +840,7 @@
           <p:cNvPr id="4" name="日期占位符 3">
             <a:extLst>
               <a:ext uri="{FF2B5EF4-FFF2-40B4-BE49-F238E27FC236}">
-                <a16:creationId xmlns:a16="http://schemas.microsoft.com/office/drawing/2014/main" id="{295F3909-B5BE-60CE-93D5-46451B2EEB6A}"/>
+                <a16:creationId xmlns:a16="http://schemas.microsoft.com/office/drawing/2014/main" id="{B8A40231-D610-E4DD-A324-7F9A798CAD0A}"/>
               </a:ext>
             </a:extLst>
           </p:cNvPr>
@@ -856,7 +856,7 @@
           <a:bodyPr/>
           <a:lstStyle/>
           <a:p>
-            <a:fld id="{19870797-6BC2-4B09-8E63-7E6B095B7586}" type="datetimeFigureOut">
+            <a:fld id="{4454D9A7-2F8F-4DE4-9C3C-F43D43E0F359}" type="datetimeFigureOut">
               <a:rPr lang="zh-CN" altLang="en-US" smtClean="0"/>
               <a:t>2024/3/10</a:t>
             </a:fld>
@@ -869,7 +869,7 @@
           <p:cNvPr id="5" name="页脚占位符 4">
             <a:extLst>
               <a:ext uri="{FF2B5EF4-FFF2-40B4-BE49-F238E27FC236}">
-                <a16:creationId xmlns:a16="http://schemas.microsoft.com/office/drawing/2014/main" id="{20FDCF93-8BF4-0B58-1615-55555BA58A76}"/>
+                <a16:creationId xmlns:a16="http://schemas.microsoft.com/office/drawing/2014/main" id="{13E12566-CB6E-062C-70DB-4CD6EE5B6484}"/>
               </a:ext>
             </a:extLst>
           </p:cNvPr>
@@ -894,7 +894,7 @@
           <p:cNvPr id="6" name="灯片编号占位符 5">
             <a:extLst>
               <a:ext uri="{FF2B5EF4-FFF2-40B4-BE49-F238E27FC236}">
-                <a16:creationId xmlns:a16="http://schemas.microsoft.com/office/drawing/2014/main" id="{FAC49526-2F2A-345F-6082-3BB8E5A6356E}"/>
+                <a16:creationId xmlns:a16="http://schemas.microsoft.com/office/drawing/2014/main" id="{F79C1D9E-B10A-22C9-3245-5AE993752B3B}"/>
               </a:ext>
             </a:extLst>
           </p:cNvPr>
@@ -910,7 +910,7 @@
           <a:bodyPr/>
           <a:lstStyle/>
           <a:p>
-            <a:fld id="{C547C713-03D5-4B4A-BBAE-8F772FBCDC33}" type="slidenum">
+            <a:fld id="{59697063-A0E5-4C6F-BF60-95274ECDC1CF}" type="slidenum">
               <a:rPr lang="zh-CN" altLang="en-US" smtClean="0"/>
               <a:t>‹#›</a:t>
             </a:fld>
@@ -921,7 +921,7 @@
     </p:spTree>
     <p:extLst>
       <p:ext uri="{BB962C8B-B14F-4D97-AF65-F5344CB8AC3E}">
-        <p14:creationId xmlns:p14="http://schemas.microsoft.com/office/powerpoint/2010/main" val="2265110452"/>
+        <p14:creationId xmlns:p14="http://schemas.microsoft.com/office/powerpoint/2010/main" val="1347334542"/>
       </p:ext>
     </p:extLst>
   </p:cSld>
@@ -953,7 +953,7 @@
           <p:cNvPr id="2" name="标题 1">
             <a:extLst>
               <a:ext uri="{FF2B5EF4-FFF2-40B4-BE49-F238E27FC236}">
-                <a16:creationId xmlns:a16="http://schemas.microsoft.com/office/drawing/2014/main" id="{B3030847-A272-9217-2868-BFA2B0F1C544}"/>
+                <a16:creationId xmlns:a16="http://schemas.microsoft.com/office/drawing/2014/main" id="{75110034-5A19-480A-139A-0BDEA75C076F}"/>
               </a:ext>
             </a:extLst>
           </p:cNvPr>
@@ -990,7 +990,7 @@
           <p:cNvPr id="3" name="文本占位符 2">
             <a:extLst>
               <a:ext uri="{FF2B5EF4-FFF2-40B4-BE49-F238E27FC236}">
-                <a16:creationId xmlns:a16="http://schemas.microsoft.com/office/drawing/2014/main" id="{1F019623-7ED5-7D33-6958-9862EEFDDD52}"/>
+                <a16:creationId xmlns:a16="http://schemas.microsoft.com/office/drawing/2014/main" id="{28D655B8-FF24-0B02-374C-09E4696028D0}"/>
               </a:ext>
             </a:extLst>
           </p:cNvPr>
@@ -1115,7 +1115,7 @@
           <p:cNvPr id="4" name="日期占位符 3">
             <a:extLst>
               <a:ext uri="{FF2B5EF4-FFF2-40B4-BE49-F238E27FC236}">
-                <a16:creationId xmlns:a16="http://schemas.microsoft.com/office/drawing/2014/main" id="{D4ADCC9A-49F1-C4D2-47C6-786C816C1E80}"/>
+                <a16:creationId xmlns:a16="http://schemas.microsoft.com/office/drawing/2014/main" id="{4D807132-78A9-8495-979E-E424D803D6F6}"/>
               </a:ext>
             </a:extLst>
           </p:cNvPr>
@@ -1131,7 +1131,7 @@
           <a:bodyPr/>
           <a:lstStyle/>
           <a:p>
-            <a:fld id="{19870797-6BC2-4B09-8E63-7E6B095B7586}" type="datetimeFigureOut">
+            <a:fld id="{4454D9A7-2F8F-4DE4-9C3C-F43D43E0F359}" type="datetimeFigureOut">
               <a:rPr lang="zh-CN" altLang="en-US" smtClean="0"/>
               <a:t>2024/3/10</a:t>
             </a:fld>
@@ -1144,7 +1144,7 @@
           <p:cNvPr id="5" name="页脚占位符 4">
             <a:extLst>
               <a:ext uri="{FF2B5EF4-FFF2-40B4-BE49-F238E27FC236}">
-                <a16:creationId xmlns:a16="http://schemas.microsoft.com/office/drawing/2014/main" id="{FC6859B3-4D70-586F-4F14-F107768D0FF7}"/>
+                <a16:creationId xmlns:a16="http://schemas.microsoft.com/office/drawing/2014/main" id="{396CC84B-992F-9CAD-6ECE-0428C328E908}"/>
               </a:ext>
             </a:extLst>
           </p:cNvPr>
@@ -1169,7 +1169,7 @@
           <p:cNvPr id="6" name="灯片编号占位符 5">
             <a:extLst>
               <a:ext uri="{FF2B5EF4-FFF2-40B4-BE49-F238E27FC236}">
-                <a16:creationId xmlns:a16="http://schemas.microsoft.com/office/drawing/2014/main" id="{429CEB08-03D2-832A-8AFE-0C9D4F745B54}"/>
+                <a16:creationId xmlns:a16="http://schemas.microsoft.com/office/drawing/2014/main" id="{17A22260-128D-0958-A42C-1B5DB3FB8ADE}"/>
               </a:ext>
             </a:extLst>
           </p:cNvPr>
@@ -1185,7 +1185,7 @@
           <a:bodyPr/>
           <a:lstStyle/>
           <a:p>
-            <a:fld id="{C547C713-03D5-4B4A-BBAE-8F772FBCDC33}" type="slidenum">
+            <a:fld id="{59697063-A0E5-4C6F-BF60-95274ECDC1CF}" type="slidenum">
               <a:rPr lang="zh-CN" altLang="en-US" smtClean="0"/>
               <a:t>‹#›</a:t>
             </a:fld>
@@ -1196,7 +1196,7 @@
     </p:spTree>
     <p:extLst>
       <p:ext uri="{BB962C8B-B14F-4D97-AF65-F5344CB8AC3E}">
-        <p14:creationId xmlns:p14="http://schemas.microsoft.com/office/powerpoint/2010/main" val="836086218"/>
+        <p14:creationId xmlns:p14="http://schemas.microsoft.com/office/powerpoint/2010/main" val="1189599670"/>
       </p:ext>
     </p:extLst>
   </p:cSld>
@@ -1228,7 +1228,7 @@
           <p:cNvPr id="2" name="标题 1">
             <a:extLst>
               <a:ext uri="{FF2B5EF4-FFF2-40B4-BE49-F238E27FC236}">
-                <a16:creationId xmlns:a16="http://schemas.microsoft.com/office/drawing/2014/main" id="{F3DC3CB2-788E-0470-E8A5-B457E0473405}"/>
+                <a16:creationId xmlns:a16="http://schemas.microsoft.com/office/drawing/2014/main" id="{4871D375-FB01-C6E9-8404-B88B710CA57F}"/>
               </a:ext>
             </a:extLst>
           </p:cNvPr>
@@ -1256,7 +1256,7 @@
           <p:cNvPr id="3" name="内容占位符 2">
             <a:extLst>
               <a:ext uri="{FF2B5EF4-FFF2-40B4-BE49-F238E27FC236}">
-                <a16:creationId xmlns:a16="http://schemas.microsoft.com/office/drawing/2014/main" id="{9B92BB8F-A78F-0CD9-411C-4B4209F16DA5}"/>
+                <a16:creationId xmlns:a16="http://schemas.microsoft.com/office/drawing/2014/main" id="{8A8B2AE5-F353-C567-7EA0-083600080F6B}"/>
               </a:ext>
             </a:extLst>
           </p:cNvPr>
@@ -1318,7 +1318,7 @@
           <p:cNvPr id="4" name="内容占位符 3">
             <a:extLst>
               <a:ext uri="{FF2B5EF4-FFF2-40B4-BE49-F238E27FC236}">
-                <a16:creationId xmlns:a16="http://schemas.microsoft.com/office/drawing/2014/main" id="{2C49D6CA-0707-228C-812E-422F2BBB2E4D}"/>
+                <a16:creationId xmlns:a16="http://schemas.microsoft.com/office/drawing/2014/main" id="{AD079288-D50C-92B0-9A3C-A732766DC965}"/>
               </a:ext>
             </a:extLst>
           </p:cNvPr>
@@ -1380,7 +1380,7 @@
           <p:cNvPr id="5" name="日期占位符 4">
             <a:extLst>
               <a:ext uri="{FF2B5EF4-FFF2-40B4-BE49-F238E27FC236}">
-                <a16:creationId xmlns:a16="http://schemas.microsoft.com/office/drawing/2014/main" id="{DC7AD434-5519-4DCC-6AE3-A17A41F7601F}"/>
+                <a16:creationId xmlns:a16="http://schemas.microsoft.com/office/drawing/2014/main" id="{DB19631D-2519-BDCB-8F0B-6AED936943B8}"/>
               </a:ext>
             </a:extLst>
           </p:cNvPr>
@@ -1396,7 +1396,7 @@
           <a:bodyPr/>
           <a:lstStyle/>
           <a:p>
-            <a:fld id="{19870797-6BC2-4B09-8E63-7E6B095B7586}" type="datetimeFigureOut">
+            <a:fld id="{4454D9A7-2F8F-4DE4-9C3C-F43D43E0F359}" type="datetimeFigureOut">
               <a:rPr lang="zh-CN" altLang="en-US" smtClean="0"/>
               <a:t>2024/3/10</a:t>
             </a:fld>
@@ -1409,7 +1409,7 @@
           <p:cNvPr id="6" name="页脚占位符 5">
             <a:extLst>
               <a:ext uri="{FF2B5EF4-FFF2-40B4-BE49-F238E27FC236}">
-                <a16:creationId xmlns:a16="http://schemas.microsoft.com/office/drawing/2014/main" id="{5263B476-E6B0-238F-DA2B-917BF87E9096}"/>
+                <a16:creationId xmlns:a16="http://schemas.microsoft.com/office/drawing/2014/main" id="{DF15CD07-7CCB-D562-2E10-CB649DCDD66E}"/>
               </a:ext>
             </a:extLst>
           </p:cNvPr>
@@ -1434,7 +1434,7 @@
           <p:cNvPr id="7" name="灯片编号占位符 6">
             <a:extLst>
               <a:ext uri="{FF2B5EF4-FFF2-40B4-BE49-F238E27FC236}">
-                <a16:creationId xmlns:a16="http://schemas.microsoft.com/office/drawing/2014/main" id="{E87BD838-7F18-0543-EDCE-D2CA774A5CAA}"/>
+                <a16:creationId xmlns:a16="http://schemas.microsoft.com/office/drawing/2014/main" id="{D1A6B5B8-19AC-9E1E-BF3E-E2235D024D10}"/>
               </a:ext>
             </a:extLst>
           </p:cNvPr>
@@ -1450,7 +1450,7 @@
           <a:bodyPr/>
           <a:lstStyle/>
           <a:p>
-            <a:fld id="{C547C713-03D5-4B4A-BBAE-8F772FBCDC33}" type="slidenum">
+            <a:fld id="{59697063-A0E5-4C6F-BF60-95274ECDC1CF}" type="slidenum">
               <a:rPr lang="zh-CN" altLang="en-US" smtClean="0"/>
               <a:t>‹#›</a:t>
             </a:fld>
@@ -1461,7 +1461,7 @@
     </p:spTree>
     <p:extLst>
       <p:ext uri="{BB962C8B-B14F-4D97-AF65-F5344CB8AC3E}">
-        <p14:creationId xmlns:p14="http://schemas.microsoft.com/office/powerpoint/2010/main" val="1253790196"/>
+        <p14:creationId xmlns:p14="http://schemas.microsoft.com/office/powerpoint/2010/main" val="668375340"/>
       </p:ext>
     </p:extLst>
   </p:cSld>
@@ -1493,7 +1493,7 @@
           <p:cNvPr id="2" name="标题 1">
             <a:extLst>
               <a:ext uri="{FF2B5EF4-FFF2-40B4-BE49-F238E27FC236}">
-                <a16:creationId xmlns:a16="http://schemas.microsoft.com/office/drawing/2014/main" id="{7D3D924C-D844-DCDA-17D7-548864AE059E}"/>
+                <a16:creationId xmlns:a16="http://schemas.microsoft.com/office/drawing/2014/main" id="{B23B1B75-8843-BB43-3068-47DBC37DD87B}"/>
               </a:ext>
             </a:extLst>
           </p:cNvPr>
@@ -1526,7 +1526,7 @@
           <p:cNvPr id="3" name="文本占位符 2">
             <a:extLst>
               <a:ext uri="{FF2B5EF4-FFF2-40B4-BE49-F238E27FC236}">
-                <a16:creationId xmlns:a16="http://schemas.microsoft.com/office/drawing/2014/main" id="{21E28276-85AE-E347-3907-3F74DF1BC46B}"/>
+                <a16:creationId xmlns:a16="http://schemas.microsoft.com/office/drawing/2014/main" id="{95F2F868-3A65-4BFC-8A0E-44BF8BFDA09E}"/>
               </a:ext>
             </a:extLst>
           </p:cNvPr>
@@ -1597,7 +1597,7 @@
           <p:cNvPr id="4" name="内容占位符 3">
             <a:extLst>
               <a:ext uri="{FF2B5EF4-FFF2-40B4-BE49-F238E27FC236}">
-                <a16:creationId xmlns:a16="http://schemas.microsoft.com/office/drawing/2014/main" id="{93785C6B-4F06-2A23-5B18-BD912F964FF1}"/>
+                <a16:creationId xmlns:a16="http://schemas.microsoft.com/office/drawing/2014/main" id="{08C330C0-6A2D-DFAB-D299-5F2D2EB70DC9}"/>
               </a:ext>
             </a:extLst>
           </p:cNvPr>
@@ -1659,7 +1659,7 @@
           <p:cNvPr id="5" name="文本占位符 4">
             <a:extLst>
               <a:ext uri="{FF2B5EF4-FFF2-40B4-BE49-F238E27FC236}">
-                <a16:creationId xmlns:a16="http://schemas.microsoft.com/office/drawing/2014/main" id="{6FED0AE5-1BCB-8AFD-CD86-1ACA4AA64817}"/>
+                <a16:creationId xmlns:a16="http://schemas.microsoft.com/office/drawing/2014/main" id="{53DDAAEE-D9BF-8958-B3B8-91E4575E20DE}"/>
               </a:ext>
             </a:extLst>
           </p:cNvPr>
@@ -1730,7 +1730,7 @@
           <p:cNvPr id="6" name="内容占位符 5">
             <a:extLst>
               <a:ext uri="{FF2B5EF4-FFF2-40B4-BE49-F238E27FC236}">
-                <a16:creationId xmlns:a16="http://schemas.microsoft.com/office/drawing/2014/main" id="{BC496690-91AD-77AF-EB0F-20B0684067AA}"/>
+                <a16:creationId xmlns:a16="http://schemas.microsoft.com/office/drawing/2014/main" id="{598067EB-914A-C15F-45C6-2845F583625C}"/>
               </a:ext>
             </a:extLst>
           </p:cNvPr>
@@ -1792,7 +1792,7 @@
           <p:cNvPr id="7" name="日期占位符 6">
             <a:extLst>
               <a:ext uri="{FF2B5EF4-FFF2-40B4-BE49-F238E27FC236}">
-                <a16:creationId xmlns:a16="http://schemas.microsoft.com/office/drawing/2014/main" id="{71F2F123-BC2E-F16B-59BE-384672F7A4BA}"/>
+                <a16:creationId xmlns:a16="http://schemas.microsoft.com/office/drawing/2014/main" id="{1200F80E-645F-8190-3C00-BC4343192A63}"/>
               </a:ext>
             </a:extLst>
           </p:cNvPr>
@@ -1808,7 +1808,7 @@
           <a:bodyPr/>
           <a:lstStyle/>
           <a:p>
-            <a:fld id="{19870797-6BC2-4B09-8E63-7E6B095B7586}" type="datetimeFigureOut">
+            <a:fld id="{4454D9A7-2F8F-4DE4-9C3C-F43D43E0F359}" type="datetimeFigureOut">
               <a:rPr lang="zh-CN" altLang="en-US" smtClean="0"/>
               <a:t>2024/3/10</a:t>
             </a:fld>
@@ -1821,7 +1821,7 @@
           <p:cNvPr id="8" name="页脚占位符 7">
             <a:extLst>
               <a:ext uri="{FF2B5EF4-FFF2-40B4-BE49-F238E27FC236}">
-                <a16:creationId xmlns:a16="http://schemas.microsoft.com/office/drawing/2014/main" id="{38999EC7-EF3B-EE44-3A8F-2FDA59031047}"/>
+                <a16:creationId xmlns:a16="http://schemas.microsoft.com/office/drawing/2014/main" id="{BF2C0082-1FF7-EA8A-68AE-4EC01E11FFB4}"/>
               </a:ext>
             </a:extLst>
           </p:cNvPr>
@@ -1846,7 +1846,7 @@
           <p:cNvPr id="9" name="灯片编号占位符 8">
             <a:extLst>
               <a:ext uri="{FF2B5EF4-FFF2-40B4-BE49-F238E27FC236}">
-                <a16:creationId xmlns:a16="http://schemas.microsoft.com/office/drawing/2014/main" id="{D4F637B0-DAF3-F405-B35C-F49076053978}"/>
+                <a16:creationId xmlns:a16="http://schemas.microsoft.com/office/drawing/2014/main" id="{DC2839BB-0BD8-5367-1BF7-5793C7BB3168}"/>
               </a:ext>
             </a:extLst>
           </p:cNvPr>
@@ -1862,7 +1862,7 @@
           <a:bodyPr/>
           <a:lstStyle/>
           <a:p>
-            <a:fld id="{C547C713-03D5-4B4A-BBAE-8F772FBCDC33}" type="slidenum">
+            <a:fld id="{59697063-A0E5-4C6F-BF60-95274ECDC1CF}" type="slidenum">
               <a:rPr lang="zh-CN" altLang="en-US" smtClean="0"/>
               <a:t>‹#›</a:t>
             </a:fld>
@@ -1873,7 +1873,7 @@
     </p:spTree>
     <p:extLst>
       <p:ext uri="{BB962C8B-B14F-4D97-AF65-F5344CB8AC3E}">
-        <p14:creationId xmlns:p14="http://schemas.microsoft.com/office/powerpoint/2010/main" val="1909440293"/>
+        <p14:creationId xmlns:p14="http://schemas.microsoft.com/office/powerpoint/2010/main" val="2898485217"/>
       </p:ext>
     </p:extLst>
   </p:cSld>
@@ -1905,7 +1905,7 @@
           <p:cNvPr id="2" name="标题 1">
             <a:extLst>
               <a:ext uri="{FF2B5EF4-FFF2-40B4-BE49-F238E27FC236}">
-                <a16:creationId xmlns:a16="http://schemas.microsoft.com/office/drawing/2014/main" id="{6D1F1EC0-DEB2-13AC-1B4D-2B09FCEEA230}"/>
+                <a16:creationId xmlns:a16="http://schemas.microsoft.com/office/drawing/2014/main" id="{90291D34-0273-1BBE-B1C0-7757A7A4A1C3}"/>
               </a:ext>
             </a:extLst>
           </p:cNvPr>
@@ -1933,7 +1933,7 @@
           <p:cNvPr id="3" name="日期占位符 2">
             <a:extLst>
               <a:ext uri="{FF2B5EF4-FFF2-40B4-BE49-F238E27FC236}">
-                <a16:creationId xmlns:a16="http://schemas.microsoft.com/office/drawing/2014/main" id="{2C5804DA-ACF6-1680-F929-B3F390E66775}"/>
+                <a16:creationId xmlns:a16="http://schemas.microsoft.com/office/drawing/2014/main" id="{E1269F15-15C4-77E2-393D-6D0D4225E2D9}"/>
               </a:ext>
             </a:extLst>
           </p:cNvPr>
@@ -1949,7 +1949,7 @@
           <a:bodyPr/>
           <a:lstStyle/>
           <a:p>
-            <a:fld id="{19870797-6BC2-4B09-8E63-7E6B095B7586}" type="datetimeFigureOut">
+            <a:fld id="{4454D9A7-2F8F-4DE4-9C3C-F43D43E0F359}" type="datetimeFigureOut">
               <a:rPr lang="zh-CN" altLang="en-US" smtClean="0"/>
               <a:t>2024/3/10</a:t>
             </a:fld>
@@ -1962,7 +1962,7 @@
           <p:cNvPr id="4" name="页脚占位符 3">
             <a:extLst>
               <a:ext uri="{FF2B5EF4-FFF2-40B4-BE49-F238E27FC236}">
-                <a16:creationId xmlns:a16="http://schemas.microsoft.com/office/drawing/2014/main" id="{1D925C0A-DAF6-0850-B794-C9C09D1380CF}"/>
+                <a16:creationId xmlns:a16="http://schemas.microsoft.com/office/drawing/2014/main" id="{4BDEE460-CF04-027C-7074-AFC03FEBF079}"/>
               </a:ext>
             </a:extLst>
           </p:cNvPr>
@@ -1987,7 +1987,7 @@
           <p:cNvPr id="5" name="灯片编号占位符 4">
             <a:extLst>
               <a:ext uri="{FF2B5EF4-FFF2-40B4-BE49-F238E27FC236}">
-                <a16:creationId xmlns:a16="http://schemas.microsoft.com/office/drawing/2014/main" id="{FF244CC5-358B-A041-9D5B-8298E5EF75E6}"/>
+                <a16:creationId xmlns:a16="http://schemas.microsoft.com/office/drawing/2014/main" id="{8403471E-EB56-F7F3-3621-B880B34DE788}"/>
               </a:ext>
             </a:extLst>
           </p:cNvPr>
@@ -2003,7 +2003,7 @@
           <a:bodyPr/>
           <a:lstStyle/>
           <a:p>
-            <a:fld id="{C547C713-03D5-4B4A-BBAE-8F772FBCDC33}" type="slidenum">
+            <a:fld id="{59697063-A0E5-4C6F-BF60-95274ECDC1CF}" type="slidenum">
               <a:rPr lang="zh-CN" altLang="en-US" smtClean="0"/>
               <a:t>‹#›</a:t>
             </a:fld>
@@ -2014,7 +2014,7 @@
     </p:spTree>
     <p:extLst>
       <p:ext uri="{BB962C8B-B14F-4D97-AF65-F5344CB8AC3E}">
-        <p14:creationId xmlns:p14="http://schemas.microsoft.com/office/powerpoint/2010/main" val="714217823"/>
+        <p14:creationId xmlns:p14="http://schemas.microsoft.com/office/powerpoint/2010/main" val="2159052702"/>
       </p:ext>
     </p:extLst>
   </p:cSld>
@@ -2046,7 +2046,7 @@
           <p:cNvPr id="2" name="日期占位符 1">
             <a:extLst>
               <a:ext uri="{FF2B5EF4-FFF2-40B4-BE49-F238E27FC236}">
-                <a16:creationId xmlns:a16="http://schemas.microsoft.com/office/drawing/2014/main" id="{018590BC-AE89-4623-8789-69ED80E5E949}"/>
+                <a16:creationId xmlns:a16="http://schemas.microsoft.com/office/drawing/2014/main" id="{9955A592-6172-40C6-48A2-DFA94EE13508}"/>
               </a:ext>
             </a:extLst>
           </p:cNvPr>
@@ -2062,7 +2062,7 @@
           <a:bodyPr/>
           <a:lstStyle/>
           <a:p>
-            <a:fld id="{19870797-6BC2-4B09-8E63-7E6B095B7586}" type="datetimeFigureOut">
+            <a:fld id="{4454D9A7-2F8F-4DE4-9C3C-F43D43E0F359}" type="datetimeFigureOut">
               <a:rPr lang="zh-CN" altLang="en-US" smtClean="0"/>
               <a:t>2024/3/10</a:t>
             </a:fld>
@@ -2075,7 +2075,7 @@
           <p:cNvPr id="3" name="页脚占位符 2">
             <a:extLst>
               <a:ext uri="{FF2B5EF4-FFF2-40B4-BE49-F238E27FC236}">
-                <a16:creationId xmlns:a16="http://schemas.microsoft.com/office/drawing/2014/main" id="{6EB78317-000F-42F5-7EA7-9C89C5C04662}"/>
+                <a16:creationId xmlns:a16="http://schemas.microsoft.com/office/drawing/2014/main" id="{B3338D1D-B8B7-FADF-63A7-F0E0D0F1647B}"/>
               </a:ext>
             </a:extLst>
           </p:cNvPr>
@@ -2100,7 +2100,7 @@
           <p:cNvPr id="4" name="灯片编号占位符 3">
             <a:extLst>
               <a:ext uri="{FF2B5EF4-FFF2-40B4-BE49-F238E27FC236}">
-                <a16:creationId xmlns:a16="http://schemas.microsoft.com/office/drawing/2014/main" id="{0724DDDD-1283-370C-E5EC-E5140432C13B}"/>
+                <a16:creationId xmlns:a16="http://schemas.microsoft.com/office/drawing/2014/main" id="{2ECF136D-7EA7-204E-2FD6-90BEFDE65F5F}"/>
               </a:ext>
             </a:extLst>
           </p:cNvPr>
@@ -2116,7 +2116,7 @@
           <a:bodyPr/>
           <a:lstStyle/>
           <a:p>
-            <a:fld id="{C547C713-03D5-4B4A-BBAE-8F772FBCDC33}" type="slidenum">
+            <a:fld id="{59697063-A0E5-4C6F-BF60-95274ECDC1CF}" type="slidenum">
               <a:rPr lang="zh-CN" altLang="en-US" smtClean="0"/>
               <a:t>‹#›</a:t>
             </a:fld>
@@ -2127,7 +2127,7 @@
     </p:spTree>
     <p:extLst>
       <p:ext uri="{BB962C8B-B14F-4D97-AF65-F5344CB8AC3E}">
-        <p14:creationId xmlns:p14="http://schemas.microsoft.com/office/powerpoint/2010/main" val="3160520831"/>
+        <p14:creationId xmlns:p14="http://schemas.microsoft.com/office/powerpoint/2010/main" val="637489419"/>
       </p:ext>
     </p:extLst>
   </p:cSld>
@@ -2159,7 +2159,7 @@
           <p:cNvPr id="2" name="标题 1">
             <a:extLst>
               <a:ext uri="{FF2B5EF4-FFF2-40B4-BE49-F238E27FC236}">
-                <a16:creationId xmlns:a16="http://schemas.microsoft.com/office/drawing/2014/main" id="{8BC5EB38-4875-86F7-B4C2-F8E1622C14D9}"/>
+                <a16:creationId xmlns:a16="http://schemas.microsoft.com/office/drawing/2014/main" id="{6B31CA05-040B-8701-16C3-AA09E4BDAC3F}"/>
               </a:ext>
             </a:extLst>
           </p:cNvPr>
@@ -2196,7 +2196,7 @@
           <p:cNvPr id="3" name="内容占位符 2">
             <a:extLst>
               <a:ext uri="{FF2B5EF4-FFF2-40B4-BE49-F238E27FC236}">
-                <a16:creationId xmlns:a16="http://schemas.microsoft.com/office/drawing/2014/main" id="{27DB07AF-E1A9-8500-9441-1D75191E01E7}"/>
+                <a16:creationId xmlns:a16="http://schemas.microsoft.com/office/drawing/2014/main" id="{6D365F1C-133C-9294-2CB7-BDA0CB817A3E}"/>
               </a:ext>
             </a:extLst>
           </p:cNvPr>
@@ -2286,7 +2286,7 @@
           <p:cNvPr id="4" name="文本占位符 3">
             <a:extLst>
               <a:ext uri="{FF2B5EF4-FFF2-40B4-BE49-F238E27FC236}">
-                <a16:creationId xmlns:a16="http://schemas.microsoft.com/office/drawing/2014/main" id="{996AFD1C-9450-81E5-C1A9-8C4B4379A1BC}"/>
+                <a16:creationId xmlns:a16="http://schemas.microsoft.com/office/drawing/2014/main" id="{4D0434F7-F511-C512-5655-1919D29C2126}"/>
               </a:ext>
             </a:extLst>
           </p:cNvPr>
@@ -2357,7 +2357,7 @@
           <p:cNvPr id="5" name="日期占位符 4">
             <a:extLst>
               <a:ext uri="{FF2B5EF4-FFF2-40B4-BE49-F238E27FC236}">
-                <a16:creationId xmlns:a16="http://schemas.microsoft.com/office/drawing/2014/main" id="{281650E8-CF59-CE44-5468-CCDB2637B2CD}"/>
+                <a16:creationId xmlns:a16="http://schemas.microsoft.com/office/drawing/2014/main" id="{3AF9C0BB-8DB5-5E78-A133-811584C19EF4}"/>
               </a:ext>
             </a:extLst>
           </p:cNvPr>
@@ -2373,7 +2373,7 @@
           <a:bodyPr/>
           <a:lstStyle/>
           <a:p>
-            <a:fld id="{19870797-6BC2-4B09-8E63-7E6B095B7586}" type="datetimeFigureOut">
+            <a:fld id="{4454D9A7-2F8F-4DE4-9C3C-F43D43E0F359}" type="datetimeFigureOut">
               <a:rPr lang="zh-CN" altLang="en-US" smtClean="0"/>
               <a:t>2024/3/10</a:t>
             </a:fld>
@@ -2386,7 +2386,7 @@
           <p:cNvPr id="6" name="页脚占位符 5">
             <a:extLst>
               <a:ext uri="{FF2B5EF4-FFF2-40B4-BE49-F238E27FC236}">
-                <a16:creationId xmlns:a16="http://schemas.microsoft.com/office/drawing/2014/main" id="{C847CF94-43F7-7E11-63E0-9D89DC254091}"/>
+                <a16:creationId xmlns:a16="http://schemas.microsoft.com/office/drawing/2014/main" id="{01F549CD-F4FA-F50C-7DC6-FF831DEEDC35}"/>
               </a:ext>
             </a:extLst>
           </p:cNvPr>
@@ -2411,7 +2411,7 @@
           <p:cNvPr id="7" name="灯片编号占位符 6">
             <a:extLst>
               <a:ext uri="{FF2B5EF4-FFF2-40B4-BE49-F238E27FC236}">
-                <a16:creationId xmlns:a16="http://schemas.microsoft.com/office/drawing/2014/main" id="{4722CDD0-32F9-30AB-6660-E35F3B986223}"/>
+                <a16:creationId xmlns:a16="http://schemas.microsoft.com/office/drawing/2014/main" id="{38C30C2F-3776-AD1B-2148-1A93FD9842E3}"/>
               </a:ext>
             </a:extLst>
           </p:cNvPr>
@@ -2427,7 +2427,7 @@
           <a:bodyPr/>
           <a:lstStyle/>
           <a:p>
-            <a:fld id="{C547C713-03D5-4B4A-BBAE-8F772FBCDC33}" type="slidenum">
+            <a:fld id="{59697063-A0E5-4C6F-BF60-95274ECDC1CF}" type="slidenum">
               <a:rPr lang="zh-CN" altLang="en-US" smtClean="0"/>
               <a:t>‹#›</a:t>
             </a:fld>
@@ -2438,7 +2438,7 @@
     </p:spTree>
     <p:extLst>
       <p:ext uri="{BB962C8B-B14F-4D97-AF65-F5344CB8AC3E}">
-        <p14:creationId xmlns:p14="http://schemas.microsoft.com/office/powerpoint/2010/main" val="1853475927"/>
+        <p14:creationId xmlns:p14="http://schemas.microsoft.com/office/powerpoint/2010/main" val="1300185912"/>
       </p:ext>
     </p:extLst>
   </p:cSld>
@@ -2470,7 +2470,7 @@
           <p:cNvPr id="2" name="标题 1">
             <a:extLst>
               <a:ext uri="{FF2B5EF4-FFF2-40B4-BE49-F238E27FC236}">
-                <a16:creationId xmlns:a16="http://schemas.microsoft.com/office/drawing/2014/main" id="{CA404B49-4B7B-8749-1F4D-2432C27BDD3E}"/>
+                <a16:creationId xmlns:a16="http://schemas.microsoft.com/office/drawing/2014/main" id="{32FB3B08-BB4E-3FA6-3161-9AB0FA821573}"/>
               </a:ext>
             </a:extLst>
           </p:cNvPr>
@@ -2507,7 +2507,7 @@
           <p:cNvPr id="3" name="图片占位符 2">
             <a:extLst>
               <a:ext uri="{FF2B5EF4-FFF2-40B4-BE49-F238E27FC236}">
-                <a16:creationId xmlns:a16="http://schemas.microsoft.com/office/drawing/2014/main" id="{D5ABD866-713D-BEAC-5694-9697633EB781}"/>
+                <a16:creationId xmlns:a16="http://schemas.microsoft.com/office/drawing/2014/main" id="{9A082DF7-6C9D-ACC5-7189-054A6A6BF4AE}"/>
               </a:ext>
             </a:extLst>
           </p:cNvPr>
@@ -2574,7 +2574,7 @@
           <p:cNvPr id="4" name="文本占位符 3">
             <a:extLst>
               <a:ext uri="{FF2B5EF4-FFF2-40B4-BE49-F238E27FC236}">
-                <a16:creationId xmlns:a16="http://schemas.microsoft.com/office/drawing/2014/main" id="{06768F7E-2BF7-98CD-CEB9-4BDEE27B9B58}"/>
+                <a16:creationId xmlns:a16="http://schemas.microsoft.com/office/drawing/2014/main" id="{B6EFD312-E852-D54E-4B11-1D81AC41FDA8}"/>
               </a:ext>
             </a:extLst>
           </p:cNvPr>
@@ -2645,7 +2645,7 @@
           <p:cNvPr id="5" name="日期占位符 4">
             <a:extLst>
               <a:ext uri="{FF2B5EF4-FFF2-40B4-BE49-F238E27FC236}">
-                <a16:creationId xmlns:a16="http://schemas.microsoft.com/office/drawing/2014/main" id="{3CE64488-1D66-4A21-DE1D-8D42A1061E29}"/>
+                <a16:creationId xmlns:a16="http://schemas.microsoft.com/office/drawing/2014/main" id="{FC099C63-BAAE-B252-34C5-DA565862C88D}"/>
               </a:ext>
             </a:extLst>
           </p:cNvPr>
@@ -2661,7 +2661,7 @@
           <a:bodyPr/>
           <a:lstStyle/>
           <a:p>
-            <a:fld id="{19870797-6BC2-4B09-8E63-7E6B095B7586}" type="datetimeFigureOut">
+            <a:fld id="{4454D9A7-2F8F-4DE4-9C3C-F43D43E0F359}" type="datetimeFigureOut">
               <a:rPr lang="zh-CN" altLang="en-US" smtClean="0"/>
               <a:t>2024/3/10</a:t>
             </a:fld>
@@ -2674,7 +2674,7 @@
           <p:cNvPr id="6" name="页脚占位符 5">
             <a:extLst>
               <a:ext uri="{FF2B5EF4-FFF2-40B4-BE49-F238E27FC236}">
-                <a16:creationId xmlns:a16="http://schemas.microsoft.com/office/drawing/2014/main" id="{C42CBA8E-2831-B4A2-A37F-07FD732E90DE}"/>
+                <a16:creationId xmlns:a16="http://schemas.microsoft.com/office/drawing/2014/main" id="{02D1C989-8880-FF91-AB6F-46696B6CEAB4}"/>
               </a:ext>
             </a:extLst>
           </p:cNvPr>
@@ -2699,7 +2699,7 @@
           <p:cNvPr id="7" name="灯片编号占位符 6">
             <a:extLst>
               <a:ext uri="{FF2B5EF4-FFF2-40B4-BE49-F238E27FC236}">
-                <a16:creationId xmlns:a16="http://schemas.microsoft.com/office/drawing/2014/main" id="{FBD39BC6-A81A-39C5-C1D9-EF48D4A2FC99}"/>
+                <a16:creationId xmlns:a16="http://schemas.microsoft.com/office/drawing/2014/main" id="{EC313D92-F472-C479-DF6A-0D6CEB7731E2}"/>
               </a:ext>
             </a:extLst>
           </p:cNvPr>
@@ -2715,7 +2715,7 @@
           <a:bodyPr/>
           <a:lstStyle/>
           <a:p>
-            <a:fld id="{C547C713-03D5-4B4A-BBAE-8F772FBCDC33}" type="slidenum">
+            <a:fld id="{59697063-A0E5-4C6F-BF60-95274ECDC1CF}" type="slidenum">
               <a:rPr lang="zh-CN" altLang="en-US" smtClean="0"/>
               <a:t>‹#›</a:t>
             </a:fld>
@@ -2726,7 +2726,7 @@
     </p:spTree>
     <p:extLst>
       <p:ext uri="{BB962C8B-B14F-4D97-AF65-F5344CB8AC3E}">
-        <p14:creationId xmlns:p14="http://schemas.microsoft.com/office/powerpoint/2010/main" val="1994349489"/>
+        <p14:creationId xmlns:p14="http://schemas.microsoft.com/office/powerpoint/2010/main" val="3658769333"/>
       </p:ext>
     </p:extLst>
   </p:cSld>
@@ -2763,7 +2763,7 @@
           <p:cNvPr id="2" name="标题占位符 1">
             <a:extLst>
               <a:ext uri="{FF2B5EF4-FFF2-40B4-BE49-F238E27FC236}">
-                <a16:creationId xmlns:a16="http://schemas.microsoft.com/office/drawing/2014/main" id="{63B29B06-70CB-14EB-9A3D-B90BB2BC5725}"/>
+                <a16:creationId xmlns:a16="http://schemas.microsoft.com/office/drawing/2014/main" id="{C0375D1C-1970-F3E2-80BC-3639FC2FA2A1}"/>
               </a:ext>
             </a:extLst>
           </p:cNvPr>
@@ -2801,7 +2801,7 @@
           <p:cNvPr id="3" name="文本占位符 2">
             <a:extLst>
               <a:ext uri="{FF2B5EF4-FFF2-40B4-BE49-F238E27FC236}">
-                <a16:creationId xmlns:a16="http://schemas.microsoft.com/office/drawing/2014/main" id="{1EEEF163-EAF6-795F-03C3-A6200A3DFBA1}"/>
+                <a16:creationId xmlns:a16="http://schemas.microsoft.com/office/drawing/2014/main" id="{BFA03BD6-E5EF-E68D-38C3-FF89B7C4E3FE}"/>
               </a:ext>
             </a:extLst>
           </p:cNvPr>
@@ -2868,7 +2868,7 @@
           <p:cNvPr id="4" name="日期占位符 3">
             <a:extLst>
               <a:ext uri="{FF2B5EF4-FFF2-40B4-BE49-F238E27FC236}">
-                <a16:creationId xmlns:a16="http://schemas.microsoft.com/office/drawing/2014/main" id="{9247F47F-0A7F-3AF3-8EB1-D68634B4144F}"/>
+                <a16:creationId xmlns:a16="http://schemas.microsoft.com/office/drawing/2014/main" id="{1813BF62-1413-A834-FA5A-2CB112FF05AA}"/>
               </a:ext>
             </a:extLst>
           </p:cNvPr>
@@ -2902,7 +2902,7 @@
             </a:lvl1pPr>
           </a:lstStyle>
           <a:p>
-            <a:fld id="{19870797-6BC2-4B09-8E63-7E6B095B7586}" type="datetimeFigureOut">
+            <a:fld id="{4454D9A7-2F8F-4DE4-9C3C-F43D43E0F359}" type="datetimeFigureOut">
               <a:rPr lang="zh-CN" altLang="en-US" smtClean="0"/>
               <a:t>2024/3/10</a:t>
             </a:fld>
@@ -2915,7 +2915,7 @@
           <p:cNvPr id="5" name="页脚占位符 4">
             <a:extLst>
               <a:ext uri="{FF2B5EF4-FFF2-40B4-BE49-F238E27FC236}">
-                <a16:creationId xmlns:a16="http://schemas.microsoft.com/office/drawing/2014/main" id="{F31B41C6-7503-9BC9-1FE4-46E9F8A09D2C}"/>
+                <a16:creationId xmlns:a16="http://schemas.microsoft.com/office/drawing/2014/main" id="{5D0E11BD-32CF-3787-5F96-700D5822D929}"/>
               </a:ext>
             </a:extLst>
           </p:cNvPr>
@@ -2958,7 +2958,7 @@
           <p:cNvPr id="6" name="灯片编号占位符 5">
             <a:extLst>
               <a:ext uri="{FF2B5EF4-FFF2-40B4-BE49-F238E27FC236}">
-                <a16:creationId xmlns:a16="http://schemas.microsoft.com/office/drawing/2014/main" id="{C23B2001-9C9D-0FE3-747C-31F538385A0A}"/>
+                <a16:creationId xmlns:a16="http://schemas.microsoft.com/office/drawing/2014/main" id="{57CDEE89-99FE-420E-F961-2E5BF1E3DA1B}"/>
               </a:ext>
             </a:extLst>
           </p:cNvPr>
@@ -2992,7 +2992,7 @@
             </a:lvl1pPr>
           </a:lstStyle>
           <a:p>
-            <a:fld id="{C547C713-03D5-4B4A-BBAE-8F772FBCDC33}" type="slidenum">
+            <a:fld id="{59697063-A0E5-4C6F-BF60-95274ECDC1CF}" type="slidenum">
               <a:rPr lang="zh-CN" altLang="en-US" smtClean="0"/>
               <a:t>‹#›</a:t>
             </a:fld>
@@ -3003,7 +3003,7 @@
     </p:spTree>
     <p:extLst>
       <p:ext uri="{BB962C8B-B14F-4D97-AF65-F5344CB8AC3E}">
-        <p14:creationId xmlns:p14="http://schemas.microsoft.com/office/powerpoint/2010/main" val="2686386109"/>
+        <p14:creationId xmlns:p14="http://schemas.microsoft.com/office/powerpoint/2010/main" val="499492125"/>
       </p:ext>
     </p:extLst>
   </p:cSld>
@@ -3323,7 +3323,7 @@
       </p:grpSpPr>
       <p:pic>
         <p:nvPicPr>
-          <p:cNvPr id="757762" name="Picture 2" descr="739"/>
+          <p:cNvPr id="758786" name="Picture 2" descr="740"/>
           <p:cNvPicPr>
             <a:picLocks noChangeAspect="1" noChangeArrowheads="1"/>
           </p:cNvPicPr>
